--- a/ppt/03-10.pptx
+++ b/ppt/03-10.pptx
@@ -2999,6 +2999,341 @@
           </a:p>
         </p:txBody>
       </p:sp>
+      <p:pic>
+        <p:nvPicPr>
+          <p:cNvPr id="2" name="그림 1"/>
+          <p:cNvPicPr>
+            <a:picLocks noChangeAspect="1"/>
+          </p:cNvPicPr>
+          <p:nvPr/>
+        </p:nvPicPr>
+        <p:blipFill>
+          <a:blip r:embed="rId2"/>
+          <a:stretch>
+            <a:fillRect/>
+          </a:stretch>
+        </p:blipFill>
+        <p:spPr>
+          <a:xfrm>
+            <a:off x="319230" y="733777"/>
+            <a:ext cx="4279675" cy="3829571"/>
+          </a:xfrm>
+          <a:prstGeom prst="rect">
+            <a:avLst/>
+          </a:prstGeom>
+        </p:spPr>
+      </p:pic>
+      <p:pic>
+        <p:nvPicPr>
+          <p:cNvPr id="3" name="그림 2"/>
+          <p:cNvPicPr>
+            <a:picLocks noChangeAspect="1"/>
+          </p:cNvPicPr>
+          <p:nvPr/>
+        </p:nvPicPr>
+        <p:blipFill>
+          <a:blip r:embed="rId3"/>
+          <a:stretch>
+            <a:fillRect/>
+          </a:stretch>
+        </p:blipFill>
+        <p:spPr>
+          <a:xfrm>
+            <a:off x="5683858" y="1281288"/>
+            <a:ext cx="5458580" cy="2166034"/>
+          </a:xfrm>
+          <a:prstGeom prst="rect">
+            <a:avLst/>
+          </a:prstGeom>
+        </p:spPr>
+      </p:pic>
+      <p:cxnSp>
+        <p:nvCxnSpPr>
+          <p:cNvPr id="6" name="직선 화살표 연결선 5"/>
+          <p:cNvCxnSpPr/>
+          <p:nvPr/>
+        </p:nvCxnSpPr>
+        <p:spPr>
+          <a:xfrm flipH="1">
+            <a:off x="2805288" y="2252133"/>
+            <a:ext cx="2765777" cy="0"/>
+          </a:xfrm>
+          <a:prstGeom prst="straightConnector1">
+            <a:avLst/>
+          </a:prstGeom>
+          <a:ln>
+            <a:tailEnd type="triangle"/>
+          </a:ln>
+        </p:spPr>
+        <p:style>
+          <a:lnRef idx="1">
+            <a:schemeClr val="accent1"/>
+          </a:lnRef>
+          <a:fillRef idx="0">
+            <a:schemeClr val="accent1"/>
+          </a:fillRef>
+          <a:effectRef idx="0">
+            <a:schemeClr val="accent1"/>
+          </a:effectRef>
+          <a:fontRef idx="minor">
+            <a:schemeClr val="tx1"/>
+          </a:fontRef>
+        </p:style>
+      </p:cxnSp>
+      <p:sp>
+        <p:nvSpPr>
+          <p:cNvPr id="7" name="직사각형 6"/>
+          <p:cNvSpPr/>
+          <p:nvPr/>
+        </p:nvSpPr>
+        <p:spPr>
+          <a:xfrm>
+            <a:off x="5571065" y="1715911"/>
+            <a:ext cx="2218267" cy="1529644"/>
+          </a:xfrm>
+          <a:prstGeom prst="rect">
+            <a:avLst/>
+          </a:prstGeom>
+        </p:spPr>
+        <p:style>
+          <a:lnRef idx="2">
+            <a:schemeClr val="accent1">
+              <a:shade val="50000"/>
+            </a:schemeClr>
+          </a:lnRef>
+          <a:fillRef idx="1">
+            <a:schemeClr val="accent1"/>
+          </a:fillRef>
+          <a:effectRef idx="0">
+            <a:schemeClr val="accent1"/>
+          </a:effectRef>
+          <a:fontRef idx="minor">
+            <a:schemeClr val="lt1"/>
+          </a:fontRef>
+        </p:style>
+        <p:txBody>
+          <a:bodyPr rtlCol="0" anchor="ctr"/>
+          <a:lstStyle/>
+          <a:p>
+            <a:pPr algn="ctr"/>
+            <a:endParaRPr lang="ko-KR" altLang="en-US"/>
+          </a:p>
+        </p:txBody>
+      </p:sp>
+      <p:sp>
+        <p:nvSpPr>
+          <p:cNvPr id="8" name="직사각형 7"/>
+          <p:cNvSpPr/>
+          <p:nvPr/>
+        </p:nvSpPr>
+        <p:spPr>
+          <a:xfrm>
+            <a:off x="468488" y="3115732"/>
+            <a:ext cx="3962400" cy="948267"/>
+          </a:xfrm>
+          <a:prstGeom prst="rect">
+            <a:avLst/>
+          </a:prstGeom>
+          <a:noFill/>
+          <a:ln w="25400">
+            <a:solidFill>
+              <a:srgbClr val="FF0000"/>
+            </a:solidFill>
+          </a:ln>
+        </p:spPr>
+        <p:style>
+          <a:lnRef idx="2">
+            <a:schemeClr val="accent1">
+              <a:shade val="50000"/>
+            </a:schemeClr>
+          </a:lnRef>
+          <a:fillRef idx="1">
+            <a:schemeClr val="accent1"/>
+          </a:fillRef>
+          <a:effectRef idx="0">
+            <a:schemeClr val="accent1"/>
+          </a:effectRef>
+          <a:fontRef idx="minor">
+            <a:schemeClr val="lt1"/>
+          </a:fontRef>
+        </p:style>
+        <p:txBody>
+          <a:bodyPr rtlCol="0" anchor="ctr"/>
+          <a:lstStyle/>
+          <a:p>
+            <a:pPr algn="ctr"/>
+            <a:endParaRPr lang="ko-KR" altLang="en-US"/>
+          </a:p>
+        </p:txBody>
+      </p:sp>
+      <p:sp>
+        <p:nvSpPr>
+          <p:cNvPr id="9" name="직사각형 8"/>
+          <p:cNvSpPr/>
+          <p:nvPr/>
+        </p:nvSpPr>
+        <p:spPr>
+          <a:xfrm>
+            <a:off x="468488" y="1123244"/>
+            <a:ext cx="4007556" cy="609601"/>
+          </a:xfrm>
+          <a:prstGeom prst="rect">
+            <a:avLst/>
+          </a:prstGeom>
+          <a:noFill/>
+          <a:ln w="25400">
+            <a:solidFill>
+              <a:srgbClr val="FF0000"/>
+            </a:solidFill>
+          </a:ln>
+        </p:spPr>
+        <p:style>
+          <a:lnRef idx="2">
+            <a:schemeClr val="accent1">
+              <a:shade val="50000"/>
+            </a:schemeClr>
+          </a:lnRef>
+          <a:fillRef idx="1">
+            <a:schemeClr val="accent1"/>
+          </a:fillRef>
+          <a:effectRef idx="0">
+            <a:schemeClr val="accent1"/>
+          </a:effectRef>
+          <a:fontRef idx="minor">
+            <a:schemeClr val="lt1"/>
+          </a:fontRef>
+        </p:style>
+        <p:txBody>
+          <a:bodyPr rtlCol="0" anchor="ctr"/>
+          <a:lstStyle/>
+          <a:p>
+            <a:pPr algn="ctr"/>
+            <a:endParaRPr lang="ko-KR" altLang="en-US"/>
+          </a:p>
+        </p:txBody>
+      </p:sp>
+      <p:sp>
+        <p:nvSpPr>
+          <p:cNvPr id="10" name="TextBox 9"/>
+          <p:cNvSpPr txBox="1"/>
+          <p:nvPr/>
+        </p:nvSpPr>
+        <p:spPr>
+          <a:xfrm>
+            <a:off x="4595668" y="1080758"/>
+            <a:ext cx="965329" cy="307777"/>
+          </a:xfrm>
+          <a:prstGeom prst="rect">
+            <a:avLst/>
+          </a:prstGeom>
+          <a:noFill/>
+        </p:spPr>
+        <p:txBody>
+          <a:bodyPr wrap="none" rtlCol="0">
+            <a:spAutoFit/>
+          </a:bodyPr>
+          <a:lstStyle/>
+          <a:p>
+            <a:r>
+              <a:rPr lang="ko-KR" altLang="en-US" sz="1400" dirty="0" smtClean="0"/>
+              <a:t>헤더 부분</a:t>
+            </a:r>
+            <a:endParaRPr lang="ko-KR" altLang="en-US" sz="1400" dirty="0"/>
+          </a:p>
+        </p:txBody>
+      </p:sp>
+      <p:sp>
+        <p:nvSpPr>
+          <p:cNvPr id="11" name="TextBox 10"/>
+          <p:cNvSpPr txBox="1"/>
+          <p:nvPr/>
+        </p:nvSpPr>
+        <p:spPr>
+          <a:xfrm>
+            <a:off x="4605736" y="3756222"/>
+            <a:ext cx="965329" cy="307777"/>
+          </a:xfrm>
+          <a:prstGeom prst="rect">
+            <a:avLst/>
+          </a:prstGeom>
+          <a:noFill/>
+        </p:spPr>
+        <p:txBody>
+          <a:bodyPr wrap="none" rtlCol="0">
+            <a:spAutoFit/>
+          </a:bodyPr>
+          <a:lstStyle/>
+          <a:p>
+            <a:r>
+              <a:rPr lang="ko-KR" altLang="en-US" sz="1400" dirty="0" err="1" smtClean="0"/>
+              <a:t>푸터</a:t>
+            </a:r>
+            <a:r>
+              <a:rPr lang="ko-KR" altLang="en-US" sz="1400" dirty="0" smtClean="0"/>
+              <a:t> 부분</a:t>
+            </a:r>
+            <a:endParaRPr lang="ko-KR" altLang="en-US" sz="1400" dirty="0"/>
+          </a:p>
+        </p:txBody>
+      </p:sp>
+      <p:pic>
+        <p:nvPicPr>
+          <p:cNvPr id="12" name="그림 11"/>
+          <p:cNvPicPr>
+            <a:picLocks noChangeAspect="1"/>
+          </p:cNvPicPr>
+          <p:nvPr/>
+        </p:nvPicPr>
+        <p:blipFill>
+          <a:blip r:embed="rId4"/>
+          <a:stretch>
+            <a:fillRect/>
+          </a:stretch>
+        </p:blipFill>
+        <p:spPr>
+          <a:xfrm>
+            <a:off x="7084108" y="3800812"/>
+            <a:ext cx="3448425" cy="2225579"/>
+          </a:xfrm>
+          <a:prstGeom prst="rect">
+            <a:avLst/>
+          </a:prstGeom>
+        </p:spPr>
+      </p:pic>
+      <p:sp>
+        <p:nvSpPr>
+          <p:cNvPr id="13" name="TextBox 12"/>
+          <p:cNvSpPr txBox="1"/>
+          <p:nvPr/>
+        </p:nvSpPr>
+        <p:spPr>
+          <a:xfrm>
+            <a:off x="6232935" y="6225992"/>
+            <a:ext cx="4791696" cy="307777"/>
+          </a:xfrm>
+          <a:prstGeom prst="rect">
+            <a:avLst/>
+          </a:prstGeom>
+          <a:noFill/>
+        </p:spPr>
+        <p:txBody>
+          <a:bodyPr wrap="none" rtlCol="0">
+            <a:spAutoFit/>
+          </a:bodyPr>
+          <a:lstStyle/>
+          <a:p>
+            <a:r>
+              <a:rPr lang="ko-KR" altLang="en-US" sz="1400" dirty="0" smtClean="0"/>
+              <a:t>헤더 부분을 슬라이더 값과 동일하게 움직이고 있습니다</a:t>
+            </a:r>
+            <a:r>
+              <a:rPr lang="en-US" altLang="ko-KR" sz="1400" dirty="0" smtClean="0"/>
+              <a:t>.</a:t>
+            </a:r>
+            <a:endParaRPr lang="ko-KR" altLang="en-US" sz="1400" dirty="0"/>
+          </a:p>
+        </p:txBody>
+      </p:sp>
     </p:spTree>
     <p:extLst>
       <p:ext uri="{BB962C8B-B14F-4D97-AF65-F5344CB8AC3E}">

--- a/ppt/03-10.pptx
+++ b/ppt/03-10.pptx
@@ -6,6 +6,14 @@
   </p:sldMasterIdLst>
   <p:sldIdLst>
     <p:sldId id="259" r:id="rId2"/>
+    <p:sldId id="263" r:id="rId3"/>
+    <p:sldId id="265" r:id="rId4"/>
+    <p:sldId id="264" r:id="rId5"/>
+    <p:sldId id="266" r:id="rId6"/>
+    <p:sldId id="261" r:id="rId7"/>
+    <p:sldId id="260" r:id="rId8"/>
+    <p:sldId id="262" r:id="rId9"/>
+    <p:sldId id="267" r:id="rId10"/>
   </p:sldIdLst>
   <p:sldSz cx="12192000" cy="6858000"/>
   <p:notesSz cx="6858000" cy="9144000"/>
@@ -3347,6 +3355,1446 @@
 </p:sld>
 </file>
 
+<file path=ppt/slides/slide2.xml><?xml version="1.0" encoding="utf-8"?>
+<p:sld xmlns:a="http://schemas.openxmlformats.org/drawingml/2006/main" xmlns:r="http://schemas.openxmlformats.org/officeDocument/2006/relationships" xmlns:p="http://schemas.openxmlformats.org/presentationml/2006/main">
+  <p:cSld>
+    <p:spTree>
+      <p:nvGrpSpPr>
+        <p:cNvPr id="1" name=""/>
+        <p:cNvGrpSpPr/>
+        <p:nvPr/>
+      </p:nvGrpSpPr>
+      <p:grpSpPr>
+        <a:xfrm>
+          <a:off x="0" y="0"/>
+          <a:ext cx="0" cy="0"/>
+          <a:chOff x="0" y="0"/>
+          <a:chExt cx="0" cy="0"/>
+        </a:xfrm>
+      </p:grpSpPr>
+      <p:sp>
+        <p:nvSpPr>
+          <p:cNvPr id="5" name="TextBox 4"/>
+          <p:cNvSpPr txBox="1"/>
+          <p:nvPr/>
+        </p:nvSpPr>
+        <p:spPr>
+          <a:xfrm>
+            <a:off x="151141" y="151141"/>
+            <a:ext cx="3886000" cy="369332"/>
+          </a:xfrm>
+          <a:prstGeom prst="rect">
+            <a:avLst/>
+          </a:prstGeom>
+          <a:noFill/>
+        </p:spPr>
+        <p:txBody>
+          <a:bodyPr wrap="square" rtlCol="0">
+            <a:spAutoFit/>
+          </a:bodyPr>
+          <a:lstStyle/>
+          <a:p>
+            <a:r>
+              <a:rPr lang="ko-KR" altLang="en-US" dirty="0" smtClean="0"/>
+              <a:t>공통</a:t>
+            </a:r>
+            <a:endParaRPr lang="ko-KR" altLang="en-US" dirty="0"/>
+          </a:p>
+        </p:txBody>
+      </p:sp>
+      <p:pic>
+        <p:nvPicPr>
+          <p:cNvPr id="2" name="그림 1"/>
+          <p:cNvPicPr>
+            <a:picLocks noChangeAspect="1"/>
+          </p:cNvPicPr>
+          <p:nvPr/>
+        </p:nvPicPr>
+        <p:blipFill>
+          <a:blip r:embed="rId2"/>
+          <a:stretch>
+            <a:fillRect/>
+          </a:stretch>
+        </p:blipFill>
+        <p:spPr>
+          <a:xfrm>
+            <a:off x="539274" y="963738"/>
+            <a:ext cx="4372585" cy="4220164"/>
+          </a:xfrm>
+          <a:prstGeom prst="rect">
+            <a:avLst/>
+          </a:prstGeom>
+        </p:spPr>
+      </p:pic>
+      <p:cxnSp>
+        <p:nvCxnSpPr>
+          <p:cNvPr id="6" name="직선 화살표 연결선 5"/>
+          <p:cNvCxnSpPr/>
+          <p:nvPr/>
+        </p:nvCxnSpPr>
+        <p:spPr>
+          <a:xfrm>
+            <a:off x="513878" y="5456172"/>
+            <a:ext cx="4443530" cy="0"/>
+          </a:xfrm>
+          <a:prstGeom prst="straightConnector1">
+            <a:avLst/>
+          </a:prstGeom>
+          <a:ln>
+            <a:headEnd type="triangle"/>
+            <a:tailEnd type="triangle"/>
+          </a:ln>
+        </p:spPr>
+        <p:style>
+          <a:lnRef idx="1">
+            <a:schemeClr val="accent1"/>
+          </a:lnRef>
+          <a:fillRef idx="0">
+            <a:schemeClr val="accent1"/>
+          </a:fillRef>
+          <a:effectRef idx="0">
+            <a:schemeClr val="accent1"/>
+          </a:effectRef>
+          <a:fontRef idx="minor">
+            <a:schemeClr val="tx1"/>
+          </a:fontRef>
+        </p:style>
+      </p:cxnSp>
+      <p:sp>
+        <p:nvSpPr>
+          <p:cNvPr id="15" name="TextBox 14"/>
+          <p:cNvSpPr txBox="1"/>
+          <p:nvPr/>
+        </p:nvSpPr>
+        <p:spPr>
+          <a:xfrm>
+            <a:off x="513878" y="5728443"/>
+            <a:ext cx="2063450" cy="307777"/>
+          </a:xfrm>
+          <a:prstGeom prst="rect">
+            <a:avLst/>
+          </a:prstGeom>
+          <a:noFill/>
+        </p:spPr>
+        <p:txBody>
+          <a:bodyPr wrap="none" rtlCol="0">
+            <a:spAutoFit/>
+          </a:bodyPr>
+          <a:lstStyle/>
+          <a:p>
+            <a:r>
+              <a:rPr lang="en-US" altLang="ko-KR" sz="1400" dirty="0" smtClean="0"/>
+              <a:t>410</a:t>
+            </a:r>
+            <a:r>
+              <a:rPr lang="en-US" altLang="ko-KR" sz="1400" dirty="0" smtClean="0"/>
+              <a:t>px </a:t>
+            </a:r>
+            <a:r>
+              <a:rPr lang="ko-KR" altLang="en-US" sz="1400" dirty="0" smtClean="0"/>
+              <a:t>→</a:t>
+            </a:r>
+            <a:r>
+              <a:rPr lang="en-US" altLang="ko-KR" sz="1400" dirty="0" smtClean="0"/>
+              <a:t> 420px</a:t>
+            </a:r>
+            <a:r>
+              <a:rPr lang="ko-KR" altLang="en-US" sz="1400" dirty="0" smtClean="0"/>
+              <a:t>로 변경</a:t>
+            </a:r>
+            <a:endParaRPr lang="ko-KR" altLang="en-US" sz="1400" dirty="0"/>
+          </a:p>
+        </p:txBody>
+      </p:sp>
+    </p:spTree>
+    <p:extLst>
+      <p:ext uri="{BB962C8B-B14F-4D97-AF65-F5344CB8AC3E}">
+        <p14:creationId xmlns:p14="http://schemas.microsoft.com/office/powerpoint/2010/main" val="2323307989"/>
+      </p:ext>
+    </p:extLst>
+  </p:cSld>
+  <p:clrMapOvr>
+    <a:masterClrMapping/>
+  </p:clrMapOvr>
+</p:sld>
+</file>
+
+<file path=ppt/slides/slide3.xml><?xml version="1.0" encoding="utf-8"?>
+<p:sld xmlns:a="http://schemas.openxmlformats.org/drawingml/2006/main" xmlns:r="http://schemas.openxmlformats.org/officeDocument/2006/relationships" xmlns:p="http://schemas.openxmlformats.org/presentationml/2006/main">
+  <p:cSld>
+    <p:spTree>
+      <p:nvGrpSpPr>
+        <p:cNvPr id="1" name=""/>
+        <p:cNvGrpSpPr/>
+        <p:nvPr/>
+      </p:nvGrpSpPr>
+      <p:grpSpPr>
+        <a:xfrm>
+          <a:off x="0" y="0"/>
+          <a:ext cx="0" cy="0"/>
+          <a:chOff x="0" y="0"/>
+          <a:chExt cx="0" cy="0"/>
+        </a:xfrm>
+      </p:grpSpPr>
+      <p:sp>
+        <p:nvSpPr>
+          <p:cNvPr id="5" name="TextBox 4"/>
+          <p:cNvSpPr txBox="1"/>
+          <p:nvPr/>
+        </p:nvSpPr>
+        <p:spPr>
+          <a:xfrm>
+            <a:off x="151141" y="151141"/>
+            <a:ext cx="3886000" cy="369332"/>
+          </a:xfrm>
+          <a:prstGeom prst="rect">
+            <a:avLst/>
+          </a:prstGeom>
+          <a:noFill/>
+        </p:spPr>
+        <p:txBody>
+          <a:bodyPr wrap="square" rtlCol="0">
+            <a:spAutoFit/>
+          </a:bodyPr>
+          <a:lstStyle/>
+          <a:p>
+            <a:r>
+              <a:rPr lang="ko-KR" altLang="en-US" dirty="0" smtClean="0"/>
+              <a:t>공통 </a:t>
+            </a:r>
+            <a:r>
+              <a:rPr lang="en-US" altLang="ko-KR" dirty="0" smtClean="0"/>
+              <a:t>(</a:t>
+            </a:r>
+            <a:r>
+              <a:rPr lang="ko-KR" altLang="en-US" dirty="0" err="1" smtClean="0"/>
+              <a:t>알림팝업</a:t>
+            </a:r>
+            <a:r>
+              <a:rPr lang="en-US" altLang="ko-KR" dirty="0" smtClean="0"/>
+              <a:t>)</a:t>
+            </a:r>
+            <a:endParaRPr lang="ko-KR" altLang="en-US" dirty="0"/>
+          </a:p>
+        </p:txBody>
+      </p:sp>
+      <p:sp>
+        <p:nvSpPr>
+          <p:cNvPr id="8" name="TextBox 7"/>
+          <p:cNvSpPr txBox="1"/>
+          <p:nvPr/>
+        </p:nvSpPr>
+        <p:spPr>
+          <a:xfrm>
+            <a:off x="4132083" y="2198098"/>
+            <a:ext cx="3284874" cy="307777"/>
+          </a:xfrm>
+          <a:prstGeom prst="rect">
+            <a:avLst/>
+          </a:prstGeom>
+          <a:noFill/>
+        </p:spPr>
+        <p:txBody>
+          <a:bodyPr wrap="none" rtlCol="0">
+            <a:spAutoFit/>
+          </a:bodyPr>
+          <a:lstStyle/>
+          <a:p>
+            <a:r>
+              <a:rPr lang="en-US" altLang="ko-KR" sz="1400" dirty="0" smtClean="0"/>
+              <a:t>UI-SJN-01-001U</a:t>
+            </a:r>
+            <a:r>
+              <a:rPr lang="ko-KR" altLang="en-US" sz="1400" dirty="0" smtClean="0"/>
+              <a:t>에 </a:t>
+            </a:r>
+            <a:r>
+              <a:rPr lang="ko-KR" altLang="en-US" sz="1400" dirty="0" err="1" smtClean="0"/>
+              <a:t>코딩되어</a:t>
+            </a:r>
+            <a:r>
+              <a:rPr lang="ko-KR" altLang="en-US" sz="1400" dirty="0" smtClean="0"/>
+              <a:t> 있습니다</a:t>
+            </a:r>
+            <a:r>
+              <a:rPr lang="en-US" altLang="ko-KR" sz="1400" dirty="0" smtClean="0"/>
+              <a:t>.</a:t>
+            </a:r>
+            <a:endParaRPr lang="ko-KR" altLang="en-US" sz="1400" dirty="0"/>
+          </a:p>
+        </p:txBody>
+      </p:sp>
+      <p:pic>
+        <p:nvPicPr>
+          <p:cNvPr id="7" name="그림 6"/>
+          <p:cNvPicPr>
+            <a:picLocks noChangeAspect="1"/>
+          </p:cNvPicPr>
+          <p:nvPr/>
+        </p:nvPicPr>
+        <p:blipFill>
+          <a:blip r:embed="rId2"/>
+          <a:stretch>
+            <a:fillRect/>
+          </a:stretch>
+        </p:blipFill>
+        <p:spPr>
+          <a:xfrm>
+            <a:off x="4245330" y="2824486"/>
+            <a:ext cx="4305901" cy="438211"/>
+          </a:xfrm>
+          <a:prstGeom prst="rect">
+            <a:avLst/>
+          </a:prstGeom>
+        </p:spPr>
+      </p:pic>
+      <p:pic>
+        <p:nvPicPr>
+          <p:cNvPr id="9" name="그림 8"/>
+          <p:cNvPicPr>
+            <a:picLocks noChangeAspect="1"/>
+          </p:cNvPicPr>
+          <p:nvPr/>
+        </p:nvPicPr>
+        <p:blipFill>
+          <a:blip r:embed="rId3"/>
+          <a:stretch>
+            <a:fillRect/>
+          </a:stretch>
+        </p:blipFill>
+        <p:spPr>
+          <a:xfrm>
+            <a:off x="412910" y="1006626"/>
+            <a:ext cx="3206977" cy="4512142"/>
+          </a:xfrm>
+          <a:prstGeom prst="rect">
+            <a:avLst/>
+          </a:prstGeom>
+        </p:spPr>
+      </p:pic>
+    </p:spTree>
+    <p:extLst>
+      <p:ext uri="{BB962C8B-B14F-4D97-AF65-F5344CB8AC3E}">
+        <p14:creationId xmlns:p14="http://schemas.microsoft.com/office/powerpoint/2010/main" val="3357114444"/>
+      </p:ext>
+    </p:extLst>
+  </p:cSld>
+  <p:clrMapOvr>
+    <a:masterClrMapping/>
+  </p:clrMapOvr>
+</p:sld>
+</file>
+
+<file path=ppt/slides/slide4.xml><?xml version="1.0" encoding="utf-8"?>
+<p:sld xmlns:a="http://schemas.openxmlformats.org/drawingml/2006/main" xmlns:r="http://schemas.openxmlformats.org/officeDocument/2006/relationships" xmlns:p="http://schemas.openxmlformats.org/presentationml/2006/main">
+  <p:cSld>
+    <p:spTree>
+      <p:nvGrpSpPr>
+        <p:cNvPr id="1" name=""/>
+        <p:cNvGrpSpPr/>
+        <p:nvPr/>
+      </p:nvGrpSpPr>
+      <p:grpSpPr>
+        <a:xfrm>
+          <a:off x="0" y="0"/>
+          <a:ext cx="0" cy="0"/>
+          <a:chOff x="0" y="0"/>
+          <a:chExt cx="0" cy="0"/>
+        </a:xfrm>
+      </p:grpSpPr>
+      <p:sp>
+        <p:nvSpPr>
+          <p:cNvPr id="5" name="TextBox 4"/>
+          <p:cNvSpPr txBox="1"/>
+          <p:nvPr/>
+        </p:nvSpPr>
+        <p:spPr>
+          <a:xfrm>
+            <a:off x="151141" y="151141"/>
+            <a:ext cx="3886000" cy="369332"/>
+          </a:xfrm>
+          <a:prstGeom prst="rect">
+            <a:avLst/>
+          </a:prstGeom>
+          <a:noFill/>
+        </p:spPr>
+        <p:txBody>
+          <a:bodyPr wrap="square" rtlCol="0">
+            <a:spAutoFit/>
+          </a:bodyPr>
+          <a:lstStyle/>
+          <a:p>
+            <a:r>
+              <a:rPr lang="ko-KR" altLang="en-US" dirty="0" smtClean="0"/>
+              <a:t>생활정보 공통</a:t>
+            </a:r>
+            <a:endParaRPr lang="ko-KR" altLang="en-US" dirty="0"/>
+          </a:p>
+        </p:txBody>
+      </p:sp>
+      <p:pic>
+        <p:nvPicPr>
+          <p:cNvPr id="4" name="그림 3"/>
+          <p:cNvPicPr>
+            <a:picLocks noChangeAspect="1"/>
+          </p:cNvPicPr>
+          <p:nvPr/>
+        </p:nvPicPr>
+        <p:blipFill>
+          <a:blip r:embed="rId2"/>
+          <a:stretch>
+            <a:fillRect/>
+          </a:stretch>
+        </p:blipFill>
+        <p:spPr>
+          <a:xfrm>
+            <a:off x="248168" y="665747"/>
+            <a:ext cx="4410691" cy="1400370"/>
+          </a:xfrm>
+          <a:prstGeom prst="rect">
+            <a:avLst/>
+          </a:prstGeom>
+        </p:spPr>
+      </p:pic>
+      <p:pic>
+        <p:nvPicPr>
+          <p:cNvPr id="14" name="그림 13"/>
+          <p:cNvPicPr>
+            <a:picLocks noChangeAspect="1"/>
+          </p:cNvPicPr>
+          <p:nvPr/>
+        </p:nvPicPr>
+        <p:blipFill>
+          <a:blip r:embed="rId3"/>
+          <a:stretch>
+            <a:fillRect/>
+          </a:stretch>
+        </p:blipFill>
+        <p:spPr>
+          <a:xfrm>
+            <a:off x="6684280" y="735681"/>
+            <a:ext cx="4324954" cy="943107"/>
+          </a:xfrm>
+          <a:prstGeom prst="rect">
+            <a:avLst/>
+          </a:prstGeom>
+        </p:spPr>
+      </p:pic>
+      <p:cxnSp>
+        <p:nvCxnSpPr>
+          <p:cNvPr id="18" name="직선 화살표 연결선 17"/>
+          <p:cNvCxnSpPr/>
+          <p:nvPr/>
+        </p:nvCxnSpPr>
+        <p:spPr>
+          <a:xfrm flipV="1">
+            <a:off x="906843" y="1866585"/>
+            <a:ext cx="0" cy="1057984"/>
+          </a:xfrm>
+          <a:prstGeom prst="straightConnector1">
+            <a:avLst/>
+          </a:prstGeom>
+          <a:ln>
+            <a:tailEnd type="triangle"/>
+          </a:ln>
+        </p:spPr>
+        <p:style>
+          <a:lnRef idx="1">
+            <a:schemeClr val="accent1"/>
+          </a:lnRef>
+          <a:fillRef idx="0">
+            <a:schemeClr val="accent1"/>
+          </a:fillRef>
+          <a:effectRef idx="0">
+            <a:schemeClr val="accent1"/>
+          </a:effectRef>
+          <a:fontRef idx="minor">
+            <a:schemeClr val="tx1"/>
+          </a:fontRef>
+        </p:style>
+      </p:cxnSp>
+      <p:sp>
+        <p:nvSpPr>
+          <p:cNvPr id="19" name="TextBox 18"/>
+          <p:cNvSpPr txBox="1"/>
+          <p:nvPr/>
+        </p:nvSpPr>
+        <p:spPr>
+          <a:xfrm>
+            <a:off x="323342" y="3029371"/>
+            <a:ext cx="5501827" cy="307777"/>
+          </a:xfrm>
+          <a:prstGeom prst="rect">
+            <a:avLst/>
+          </a:prstGeom>
+          <a:noFill/>
+        </p:spPr>
+        <p:txBody>
+          <a:bodyPr wrap="none" rtlCol="0">
+            <a:spAutoFit/>
+          </a:bodyPr>
+          <a:lstStyle/>
+          <a:p>
+            <a:r>
+              <a:rPr lang="en-US" altLang="ko-KR" sz="1400" dirty="0" smtClean="0"/>
+              <a:t>1. </a:t>
+            </a:r>
+            <a:r>
+              <a:rPr lang="ko-KR" altLang="en-US" sz="1400" dirty="0" smtClean="0"/>
+              <a:t>메뉴 풀 크기로 늘렸습니다</a:t>
+            </a:r>
+            <a:r>
+              <a:rPr lang="en-US" altLang="ko-KR" sz="1400" dirty="0" smtClean="0"/>
+              <a:t>.(</a:t>
+            </a:r>
+            <a:r>
+              <a:rPr lang="ko-KR" altLang="en-US" sz="1400" dirty="0" smtClean="0"/>
+              <a:t>디자인 검수 안받고 제가 </a:t>
+            </a:r>
+            <a:r>
+              <a:rPr lang="ko-KR" altLang="en-US" sz="1400" dirty="0" err="1" smtClean="0"/>
+              <a:t>한거에요</a:t>
+            </a:r>
+            <a:r>
+              <a:rPr lang="en-US" altLang="ko-KR" sz="1400" dirty="0" smtClean="0"/>
+              <a:t>.)</a:t>
+            </a:r>
+            <a:endParaRPr lang="ko-KR" altLang="en-US" sz="1400" dirty="0"/>
+          </a:p>
+        </p:txBody>
+      </p:sp>
+      <p:cxnSp>
+        <p:nvCxnSpPr>
+          <p:cNvPr id="21" name="직선 화살표 연결선 20"/>
+          <p:cNvCxnSpPr/>
+          <p:nvPr/>
+        </p:nvCxnSpPr>
+        <p:spPr>
+          <a:xfrm flipV="1">
+            <a:off x="8176701" y="1866585"/>
+            <a:ext cx="0" cy="1995055"/>
+          </a:xfrm>
+          <a:prstGeom prst="straightConnector1">
+            <a:avLst/>
+          </a:prstGeom>
+          <a:ln>
+            <a:tailEnd type="triangle"/>
+          </a:ln>
+        </p:spPr>
+        <p:style>
+          <a:lnRef idx="1">
+            <a:schemeClr val="accent1"/>
+          </a:lnRef>
+          <a:fillRef idx="0">
+            <a:schemeClr val="accent1"/>
+          </a:fillRef>
+          <a:effectRef idx="0">
+            <a:schemeClr val="accent1"/>
+          </a:effectRef>
+          <a:fontRef idx="minor">
+            <a:schemeClr val="tx1"/>
+          </a:fontRef>
+        </p:style>
+      </p:cxnSp>
+      <p:sp>
+        <p:nvSpPr>
+          <p:cNvPr id="22" name="TextBox 21"/>
+          <p:cNvSpPr txBox="1"/>
+          <p:nvPr/>
+        </p:nvSpPr>
+        <p:spPr>
+          <a:xfrm>
+            <a:off x="6909709" y="4049437"/>
+            <a:ext cx="3571812" cy="307777"/>
+          </a:xfrm>
+          <a:prstGeom prst="rect">
+            <a:avLst/>
+          </a:prstGeom>
+          <a:noFill/>
+        </p:spPr>
+        <p:txBody>
+          <a:bodyPr wrap="none" rtlCol="0">
+            <a:spAutoFit/>
+          </a:bodyPr>
+          <a:lstStyle/>
+          <a:p>
+            <a:r>
+              <a:rPr lang="en-US" altLang="ko-KR" sz="1400" dirty="0" smtClean="0"/>
+              <a:t>2. </a:t>
+            </a:r>
+            <a:r>
+              <a:rPr lang="ko-KR" altLang="en-US" sz="1400" dirty="0" err="1" smtClean="0"/>
+              <a:t>스크롤시</a:t>
+            </a:r>
+            <a:r>
+              <a:rPr lang="ko-KR" altLang="en-US" sz="1400" dirty="0" smtClean="0"/>
+              <a:t> 헤더 가리고 상단에 메뉴 고정</a:t>
+            </a:r>
+            <a:endParaRPr lang="ko-KR" altLang="en-US" sz="1400" dirty="0"/>
+          </a:p>
+        </p:txBody>
+      </p:sp>
+      <p:pic>
+        <p:nvPicPr>
+          <p:cNvPr id="23" name="그림 22"/>
+          <p:cNvPicPr>
+            <a:picLocks noChangeAspect="1"/>
+          </p:cNvPicPr>
+          <p:nvPr/>
+        </p:nvPicPr>
+        <p:blipFill>
+          <a:blip r:embed="rId4"/>
+          <a:stretch>
+            <a:fillRect/>
+          </a:stretch>
+        </p:blipFill>
+        <p:spPr>
+          <a:xfrm>
+            <a:off x="6795113" y="4545011"/>
+            <a:ext cx="3801005" cy="1133633"/>
+          </a:xfrm>
+          <a:prstGeom prst="rect">
+            <a:avLst/>
+          </a:prstGeom>
+        </p:spPr>
+      </p:pic>
+      <p:cxnSp>
+        <p:nvCxnSpPr>
+          <p:cNvPr id="25" name="직선 화살표 연결선 24"/>
+          <p:cNvCxnSpPr/>
+          <p:nvPr/>
+        </p:nvCxnSpPr>
+        <p:spPr>
+          <a:xfrm flipV="1">
+            <a:off x="5252132" y="1284694"/>
+            <a:ext cx="1760787" cy="3929653"/>
+          </a:xfrm>
+          <a:prstGeom prst="straightConnector1">
+            <a:avLst/>
+          </a:prstGeom>
+          <a:ln>
+            <a:tailEnd type="triangle"/>
+          </a:ln>
+        </p:spPr>
+        <p:style>
+          <a:lnRef idx="1">
+            <a:schemeClr val="accent1"/>
+          </a:lnRef>
+          <a:fillRef idx="0">
+            <a:schemeClr val="accent1"/>
+          </a:fillRef>
+          <a:effectRef idx="0">
+            <a:schemeClr val="accent1"/>
+          </a:effectRef>
+          <a:fontRef idx="minor">
+            <a:schemeClr val="tx1"/>
+          </a:fontRef>
+        </p:style>
+      </p:cxnSp>
+      <p:sp>
+        <p:nvSpPr>
+          <p:cNvPr id="26" name="TextBox 25"/>
+          <p:cNvSpPr txBox="1"/>
+          <p:nvPr/>
+        </p:nvSpPr>
+        <p:spPr>
+          <a:xfrm>
+            <a:off x="4236272" y="5292607"/>
+            <a:ext cx="1588897" cy="307777"/>
+          </a:xfrm>
+          <a:prstGeom prst="rect">
+            <a:avLst/>
+          </a:prstGeom>
+          <a:noFill/>
+        </p:spPr>
+        <p:txBody>
+          <a:bodyPr wrap="none" rtlCol="0">
+            <a:spAutoFit/>
+          </a:bodyPr>
+          <a:lstStyle/>
+          <a:p>
+            <a:r>
+              <a:rPr lang="en-US" altLang="ko-KR" sz="1400" dirty="0" smtClean="0"/>
+              <a:t>3. </a:t>
+            </a:r>
+            <a:r>
+              <a:rPr lang="ko-KR" altLang="en-US" sz="1400" dirty="0" smtClean="0"/>
+              <a:t>메뉴 설정 고정</a:t>
+            </a:r>
+            <a:endParaRPr lang="ko-KR" altLang="en-US" sz="1400" dirty="0"/>
+          </a:p>
+        </p:txBody>
+      </p:sp>
+    </p:spTree>
+    <p:extLst>
+      <p:ext uri="{BB962C8B-B14F-4D97-AF65-F5344CB8AC3E}">
+        <p14:creationId xmlns:p14="http://schemas.microsoft.com/office/powerpoint/2010/main" val="1969180911"/>
+      </p:ext>
+    </p:extLst>
+  </p:cSld>
+  <p:clrMapOvr>
+    <a:masterClrMapping/>
+  </p:clrMapOvr>
+</p:sld>
+</file>
+
+<file path=ppt/slides/slide5.xml><?xml version="1.0" encoding="utf-8"?>
+<p:sld xmlns:a="http://schemas.openxmlformats.org/drawingml/2006/main" xmlns:r="http://schemas.openxmlformats.org/officeDocument/2006/relationships" xmlns:p="http://schemas.openxmlformats.org/presentationml/2006/main">
+  <p:cSld>
+    <p:spTree>
+      <p:nvGrpSpPr>
+        <p:cNvPr id="1" name=""/>
+        <p:cNvGrpSpPr/>
+        <p:nvPr/>
+      </p:nvGrpSpPr>
+      <p:grpSpPr>
+        <a:xfrm>
+          <a:off x="0" y="0"/>
+          <a:ext cx="0" cy="0"/>
+          <a:chOff x="0" y="0"/>
+          <a:chExt cx="0" cy="0"/>
+        </a:xfrm>
+      </p:grpSpPr>
+      <p:sp>
+        <p:nvSpPr>
+          <p:cNvPr id="5" name="TextBox 4"/>
+          <p:cNvSpPr txBox="1"/>
+          <p:nvPr/>
+        </p:nvSpPr>
+        <p:spPr>
+          <a:xfrm>
+            <a:off x="151141" y="151141"/>
+            <a:ext cx="3886000" cy="369332"/>
+          </a:xfrm>
+          <a:prstGeom prst="rect">
+            <a:avLst/>
+          </a:prstGeom>
+          <a:noFill/>
+        </p:spPr>
+        <p:txBody>
+          <a:bodyPr wrap="square" rtlCol="0">
+            <a:spAutoFit/>
+          </a:bodyPr>
+          <a:lstStyle/>
+          <a:p>
+            <a:r>
+              <a:rPr lang="ko-KR" altLang="en-US" dirty="0" smtClean="0"/>
+              <a:t>생활정보 공통</a:t>
+            </a:r>
+            <a:endParaRPr lang="ko-KR" altLang="en-US" dirty="0"/>
+          </a:p>
+        </p:txBody>
+      </p:sp>
+      <p:pic>
+        <p:nvPicPr>
+          <p:cNvPr id="2" name="그림 1"/>
+          <p:cNvPicPr>
+            <a:picLocks noChangeAspect="1"/>
+          </p:cNvPicPr>
+          <p:nvPr/>
+        </p:nvPicPr>
+        <p:blipFill>
+          <a:blip r:embed="rId2"/>
+          <a:stretch>
+            <a:fillRect/>
+          </a:stretch>
+        </p:blipFill>
+        <p:spPr>
+          <a:xfrm>
+            <a:off x="459261" y="1558581"/>
+            <a:ext cx="4305901" cy="2486372"/>
+          </a:xfrm>
+          <a:prstGeom prst="rect">
+            <a:avLst/>
+          </a:prstGeom>
+        </p:spPr>
+      </p:pic>
+      <p:cxnSp>
+        <p:nvCxnSpPr>
+          <p:cNvPr id="6" name="직선 화살표 연결선 5"/>
+          <p:cNvCxnSpPr/>
+          <p:nvPr/>
+        </p:nvCxnSpPr>
+        <p:spPr>
+          <a:xfrm>
+            <a:off x="4398188" y="2456033"/>
+            <a:ext cx="0" cy="345734"/>
+          </a:xfrm>
+          <a:prstGeom prst="straightConnector1">
+            <a:avLst/>
+          </a:prstGeom>
+          <a:ln>
+            <a:headEnd type="triangle"/>
+            <a:tailEnd type="triangle"/>
+          </a:ln>
+        </p:spPr>
+        <p:style>
+          <a:lnRef idx="1">
+            <a:schemeClr val="accent1"/>
+          </a:lnRef>
+          <a:fillRef idx="0">
+            <a:schemeClr val="accent1"/>
+          </a:fillRef>
+          <a:effectRef idx="0">
+            <a:schemeClr val="accent1"/>
+          </a:effectRef>
+          <a:fontRef idx="minor">
+            <a:schemeClr val="tx1"/>
+          </a:fontRef>
+        </p:style>
+      </p:cxnSp>
+      <p:cxnSp>
+        <p:nvCxnSpPr>
+          <p:cNvPr id="8" name="직선 화살표 연결선 7"/>
+          <p:cNvCxnSpPr/>
+          <p:nvPr/>
+        </p:nvCxnSpPr>
+        <p:spPr>
+          <a:xfrm flipH="1">
+            <a:off x="4534215" y="2628900"/>
+            <a:ext cx="1005084" cy="0"/>
+          </a:xfrm>
+          <a:prstGeom prst="straightConnector1">
+            <a:avLst/>
+          </a:prstGeom>
+          <a:ln>
+            <a:tailEnd type="triangle"/>
+          </a:ln>
+        </p:spPr>
+        <p:style>
+          <a:lnRef idx="1">
+            <a:schemeClr val="accent1"/>
+          </a:lnRef>
+          <a:fillRef idx="0">
+            <a:schemeClr val="accent1"/>
+          </a:fillRef>
+          <a:effectRef idx="0">
+            <a:schemeClr val="accent1"/>
+          </a:effectRef>
+          <a:fontRef idx="minor">
+            <a:schemeClr val="tx1"/>
+          </a:fontRef>
+        </p:style>
+      </p:cxnSp>
+      <p:sp>
+        <p:nvSpPr>
+          <p:cNvPr id="17" name="TextBox 16"/>
+          <p:cNvSpPr txBox="1"/>
+          <p:nvPr/>
+        </p:nvSpPr>
+        <p:spPr>
+          <a:xfrm>
+            <a:off x="5675325" y="2456033"/>
+            <a:ext cx="6173485" cy="738664"/>
+          </a:xfrm>
+          <a:prstGeom prst="rect">
+            <a:avLst/>
+          </a:prstGeom>
+          <a:noFill/>
+        </p:spPr>
+        <p:txBody>
+          <a:bodyPr wrap="none" rtlCol="0">
+            <a:spAutoFit/>
+          </a:bodyPr>
+          <a:lstStyle/>
+          <a:p>
+            <a:r>
+              <a:rPr lang="ko-KR" altLang="en-US" sz="1400" dirty="0" err="1" smtClean="0"/>
+              <a:t>간격확인</a:t>
+            </a:r>
+            <a:endParaRPr lang="en-US" altLang="ko-KR" sz="1400" dirty="0" smtClean="0"/>
+          </a:p>
+          <a:p>
+            <a:endParaRPr lang="en-US" altLang="ko-KR" sz="1400" dirty="0"/>
+          </a:p>
+          <a:p>
+            <a:r>
+              <a:rPr lang="ko-KR" altLang="en-US" sz="1400" dirty="0" smtClean="0"/>
+              <a:t>위 아래가 </a:t>
+            </a:r>
+            <a:r>
+              <a:rPr lang="ko-KR" altLang="en-US" sz="1400" dirty="0" err="1" smtClean="0"/>
+              <a:t>좁은게</a:t>
+            </a:r>
+            <a:r>
+              <a:rPr lang="ko-KR" altLang="en-US" sz="1400" dirty="0" smtClean="0"/>
+              <a:t> 정상입니다</a:t>
+            </a:r>
+            <a:r>
+              <a:rPr lang="en-US" altLang="ko-KR" sz="1400" dirty="0" smtClean="0"/>
+              <a:t>. </a:t>
+            </a:r>
+            <a:r>
+              <a:rPr lang="ko-KR" altLang="en-US" sz="1400" dirty="0" smtClean="0"/>
+              <a:t>다른 콘텐츠에서 상단 마진 다 제거했습니다</a:t>
+            </a:r>
+            <a:r>
+              <a:rPr lang="en-US" altLang="ko-KR" sz="1400" dirty="0" smtClean="0"/>
+              <a:t>.</a:t>
+            </a:r>
+            <a:endParaRPr lang="ko-KR" altLang="en-US" sz="1400" dirty="0"/>
+          </a:p>
+        </p:txBody>
+      </p:sp>
+    </p:spTree>
+    <p:extLst>
+      <p:ext uri="{BB962C8B-B14F-4D97-AF65-F5344CB8AC3E}">
+        <p14:creationId xmlns:p14="http://schemas.microsoft.com/office/powerpoint/2010/main" val="3430466851"/>
+      </p:ext>
+    </p:extLst>
+  </p:cSld>
+  <p:clrMapOvr>
+    <a:masterClrMapping/>
+  </p:clrMapOvr>
+</p:sld>
+</file>
+
+<file path=ppt/slides/slide6.xml><?xml version="1.0" encoding="utf-8"?>
+<p:sld xmlns:a="http://schemas.openxmlformats.org/drawingml/2006/main" xmlns:r="http://schemas.openxmlformats.org/officeDocument/2006/relationships" xmlns:p="http://schemas.openxmlformats.org/presentationml/2006/main">
+  <p:cSld>
+    <p:spTree>
+      <p:nvGrpSpPr>
+        <p:cNvPr id="1" name=""/>
+        <p:cNvGrpSpPr/>
+        <p:nvPr/>
+      </p:nvGrpSpPr>
+      <p:grpSpPr>
+        <a:xfrm>
+          <a:off x="0" y="0"/>
+          <a:ext cx="0" cy="0"/>
+          <a:chOff x="0" y="0"/>
+          <a:chExt cx="0" cy="0"/>
+        </a:xfrm>
+      </p:grpSpPr>
+      <p:sp>
+        <p:nvSpPr>
+          <p:cNvPr id="5" name="TextBox 4"/>
+          <p:cNvSpPr txBox="1"/>
+          <p:nvPr/>
+        </p:nvSpPr>
+        <p:spPr>
+          <a:xfrm>
+            <a:off x="151141" y="151141"/>
+            <a:ext cx="3886000" cy="369332"/>
+          </a:xfrm>
+          <a:prstGeom prst="rect">
+            <a:avLst/>
+          </a:prstGeom>
+          <a:noFill/>
+        </p:spPr>
+        <p:txBody>
+          <a:bodyPr wrap="square" rtlCol="0">
+            <a:spAutoFit/>
+          </a:bodyPr>
+          <a:lstStyle/>
+          <a:p>
+            <a:r>
+              <a:rPr lang="en-US" altLang="ko-KR" dirty="0" smtClean="0"/>
+              <a:t>UI-SJN-80-001U (</a:t>
+            </a:r>
+            <a:r>
+              <a:rPr lang="ko-KR" altLang="en-US" dirty="0" err="1" smtClean="0"/>
+              <a:t>내정보</a:t>
+            </a:r>
+            <a:r>
+              <a:rPr lang="en-US" altLang="ko-KR" dirty="0" smtClean="0"/>
+              <a:t>)</a:t>
+            </a:r>
+            <a:endParaRPr lang="ko-KR" altLang="en-US" dirty="0"/>
+          </a:p>
+        </p:txBody>
+      </p:sp>
+      <p:pic>
+        <p:nvPicPr>
+          <p:cNvPr id="27" name="그림 26"/>
+          <p:cNvPicPr>
+            <a:picLocks noChangeAspect="1"/>
+          </p:cNvPicPr>
+          <p:nvPr/>
+        </p:nvPicPr>
+        <p:blipFill>
+          <a:blip r:embed="rId2"/>
+          <a:stretch>
+            <a:fillRect/>
+          </a:stretch>
+        </p:blipFill>
+        <p:spPr>
+          <a:xfrm>
+            <a:off x="223800" y="710362"/>
+            <a:ext cx="2768782" cy="5780087"/>
+          </a:xfrm>
+          <a:prstGeom prst="rect">
+            <a:avLst/>
+          </a:prstGeom>
+        </p:spPr>
+      </p:pic>
+      <p:sp>
+        <p:nvSpPr>
+          <p:cNvPr id="28" name="TextBox 27"/>
+          <p:cNvSpPr txBox="1"/>
+          <p:nvPr/>
+        </p:nvSpPr>
+        <p:spPr>
+          <a:xfrm>
+            <a:off x="3559359" y="1156443"/>
+            <a:ext cx="7313220" cy="738664"/>
+          </a:xfrm>
+          <a:prstGeom prst="rect">
+            <a:avLst/>
+          </a:prstGeom>
+          <a:noFill/>
+        </p:spPr>
+        <p:txBody>
+          <a:bodyPr wrap="none" rtlCol="0">
+            <a:spAutoFit/>
+          </a:bodyPr>
+          <a:lstStyle/>
+          <a:p>
+            <a:r>
+              <a:rPr lang="ko-KR" altLang="en-US" sz="1400" dirty="0" smtClean="0"/>
+              <a:t>레이어인데 코딩이 좀 잘못 들어가 있습니다</a:t>
+            </a:r>
+            <a:r>
+              <a:rPr lang="en-US" altLang="ko-KR" sz="1400" dirty="0" smtClean="0"/>
+              <a:t>.</a:t>
+            </a:r>
+          </a:p>
+          <a:p>
+            <a:endParaRPr lang="en-US" altLang="ko-KR" sz="1400" dirty="0"/>
+          </a:p>
+          <a:p>
+            <a:r>
+              <a:rPr lang="en-US" altLang="ko-KR" sz="1400" dirty="0" smtClean="0"/>
+              <a:t>UI-SJN-80-001U</a:t>
+            </a:r>
+            <a:r>
+              <a:rPr lang="ko-KR" altLang="en-US" sz="1400" dirty="0" smtClean="0"/>
+              <a:t>에 레이어로 된 코딩이 있으니 이걸 참고해서 수정해주시면 될 거 같아요</a:t>
+            </a:r>
+            <a:r>
+              <a:rPr lang="en-US" altLang="ko-KR" sz="1400" dirty="0" smtClean="0"/>
+              <a:t>.</a:t>
+            </a:r>
+            <a:endParaRPr lang="ko-KR" altLang="en-US" sz="1400" dirty="0"/>
+          </a:p>
+        </p:txBody>
+      </p:sp>
+    </p:spTree>
+    <p:extLst>
+      <p:ext uri="{BB962C8B-B14F-4D97-AF65-F5344CB8AC3E}">
+        <p14:creationId xmlns:p14="http://schemas.microsoft.com/office/powerpoint/2010/main" val="2955280095"/>
+      </p:ext>
+    </p:extLst>
+  </p:cSld>
+  <p:clrMapOvr>
+    <a:masterClrMapping/>
+  </p:clrMapOvr>
+</p:sld>
+</file>
+
+<file path=ppt/slides/slide7.xml><?xml version="1.0" encoding="utf-8"?>
+<p:sld xmlns:a="http://schemas.openxmlformats.org/drawingml/2006/main" xmlns:r="http://schemas.openxmlformats.org/officeDocument/2006/relationships" xmlns:p="http://schemas.openxmlformats.org/presentationml/2006/main">
+  <p:cSld>
+    <p:spTree>
+      <p:nvGrpSpPr>
+        <p:cNvPr id="1" name=""/>
+        <p:cNvGrpSpPr/>
+        <p:nvPr/>
+      </p:nvGrpSpPr>
+      <p:grpSpPr>
+        <a:xfrm>
+          <a:off x="0" y="0"/>
+          <a:ext cx="0" cy="0"/>
+          <a:chOff x="0" y="0"/>
+          <a:chExt cx="0" cy="0"/>
+        </a:xfrm>
+      </p:grpSpPr>
+      <p:sp>
+        <p:nvSpPr>
+          <p:cNvPr id="18" name="직사각형 17"/>
+          <p:cNvSpPr/>
+          <p:nvPr/>
+        </p:nvSpPr>
+        <p:spPr>
+          <a:xfrm>
+            <a:off x="0" y="0"/>
+            <a:ext cx="12192000" cy="6858000"/>
+          </a:xfrm>
+          <a:prstGeom prst="rect">
+            <a:avLst/>
+          </a:prstGeom>
+        </p:spPr>
+        <p:style>
+          <a:lnRef idx="2">
+            <a:schemeClr val="accent1">
+              <a:shade val="50000"/>
+            </a:schemeClr>
+          </a:lnRef>
+          <a:fillRef idx="1">
+            <a:schemeClr val="accent1"/>
+          </a:fillRef>
+          <a:effectRef idx="0">
+            <a:schemeClr val="accent1"/>
+          </a:effectRef>
+          <a:fontRef idx="minor">
+            <a:schemeClr val="lt1"/>
+          </a:fontRef>
+        </p:style>
+        <p:txBody>
+          <a:bodyPr rtlCol="0" anchor="ctr"/>
+          <a:lstStyle/>
+          <a:p>
+            <a:pPr algn="ctr"/>
+            <a:r>
+              <a:rPr lang="ko-KR" altLang="en-US" sz="5000" dirty="0" smtClean="0"/>
+              <a:t>정주현 차장님 요청</a:t>
+            </a:r>
+            <a:endParaRPr lang="ko-KR" altLang="en-US" sz="5000" dirty="0"/>
+          </a:p>
+        </p:txBody>
+      </p:sp>
+    </p:spTree>
+    <p:extLst>
+      <p:ext uri="{BB962C8B-B14F-4D97-AF65-F5344CB8AC3E}">
+        <p14:creationId xmlns:p14="http://schemas.microsoft.com/office/powerpoint/2010/main" val="3686142044"/>
+      </p:ext>
+    </p:extLst>
+  </p:cSld>
+  <p:clrMapOvr>
+    <a:masterClrMapping/>
+  </p:clrMapOvr>
+</p:sld>
+</file>
+
+<file path=ppt/slides/slide8.xml><?xml version="1.0" encoding="utf-8"?>
+<p:sld xmlns:a="http://schemas.openxmlformats.org/drawingml/2006/main" xmlns:r="http://schemas.openxmlformats.org/officeDocument/2006/relationships" xmlns:p="http://schemas.openxmlformats.org/presentationml/2006/main">
+  <p:cSld>
+    <p:spTree>
+      <p:nvGrpSpPr>
+        <p:cNvPr id="1" name=""/>
+        <p:cNvGrpSpPr/>
+        <p:nvPr/>
+      </p:nvGrpSpPr>
+      <p:grpSpPr>
+        <a:xfrm>
+          <a:off x="0" y="0"/>
+          <a:ext cx="0" cy="0"/>
+          <a:chOff x="0" y="0"/>
+          <a:chExt cx="0" cy="0"/>
+        </a:xfrm>
+      </p:grpSpPr>
+      <p:sp>
+        <p:nvSpPr>
+          <p:cNvPr id="5" name="TextBox 4"/>
+          <p:cNvSpPr txBox="1"/>
+          <p:nvPr/>
+        </p:nvSpPr>
+        <p:spPr>
+          <a:xfrm>
+            <a:off x="151141" y="151141"/>
+            <a:ext cx="3886000" cy="369332"/>
+          </a:xfrm>
+          <a:prstGeom prst="rect">
+            <a:avLst/>
+          </a:prstGeom>
+          <a:noFill/>
+        </p:spPr>
+        <p:txBody>
+          <a:bodyPr wrap="square" rtlCol="0">
+            <a:spAutoFit/>
+          </a:bodyPr>
+          <a:lstStyle/>
+          <a:p>
+            <a:r>
+              <a:rPr lang="en-US" altLang="ko-KR" dirty="0"/>
+              <a:t>UI-SJN-35-001L</a:t>
+            </a:r>
+            <a:endParaRPr lang="ko-KR" altLang="en-US" dirty="0"/>
+          </a:p>
+        </p:txBody>
+      </p:sp>
+      <p:pic>
+        <p:nvPicPr>
+          <p:cNvPr id="4" name="그림 3"/>
+          <p:cNvPicPr>
+            <a:picLocks noChangeAspect="1"/>
+          </p:cNvPicPr>
+          <p:nvPr/>
+        </p:nvPicPr>
+        <p:blipFill>
+          <a:blip r:embed="rId2"/>
+          <a:stretch>
+            <a:fillRect/>
+          </a:stretch>
+        </p:blipFill>
+        <p:spPr>
+          <a:xfrm>
+            <a:off x="6531491" y="1688692"/>
+            <a:ext cx="4267796" cy="1047896"/>
+          </a:xfrm>
+          <a:prstGeom prst="rect">
+            <a:avLst/>
+          </a:prstGeom>
+        </p:spPr>
+      </p:pic>
+      <p:pic>
+        <p:nvPicPr>
+          <p:cNvPr id="14" name="그림 13"/>
+          <p:cNvPicPr>
+            <a:picLocks noChangeAspect="1"/>
+          </p:cNvPicPr>
+          <p:nvPr/>
+        </p:nvPicPr>
+        <p:blipFill>
+          <a:blip r:embed="rId3"/>
+          <a:stretch>
+            <a:fillRect/>
+          </a:stretch>
+        </p:blipFill>
+        <p:spPr>
+          <a:xfrm>
+            <a:off x="923673" y="1650586"/>
+            <a:ext cx="4163006" cy="1086002"/>
+          </a:xfrm>
+          <a:prstGeom prst="rect">
+            <a:avLst/>
+          </a:prstGeom>
+        </p:spPr>
+      </p:pic>
+      <p:cxnSp>
+        <p:nvCxnSpPr>
+          <p:cNvPr id="16" name="직선 화살표 연결선 15"/>
+          <p:cNvCxnSpPr/>
+          <p:nvPr/>
+        </p:nvCxnSpPr>
+        <p:spPr>
+          <a:xfrm>
+            <a:off x="4428417" y="2193587"/>
+            <a:ext cx="1662545" cy="0"/>
+          </a:xfrm>
+          <a:prstGeom prst="straightConnector1">
+            <a:avLst/>
+          </a:prstGeom>
+          <a:ln>
+            <a:tailEnd type="triangle"/>
+          </a:ln>
+        </p:spPr>
+        <p:style>
+          <a:lnRef idx="1">
+            <a:schemeClr val="accent1"/>
+          </a:lnRef>
+          <a:fillRef idx="0">
+            <a:schemeClr val="accent1"/>
+          </a:fillRef>
+          <a:effectRef idx="0">
+            <a:schemeClr val="accent1"/>
+          </a:effectRef>
+          <a:fontRef idx="minor">
+            <a:schemeClr val="tx1"/>
+          </a:fontRef>
+        </p:style>
+      </p:cxnSp>
+      <p:sp>
+        <p:nvSpPr>
+          <p:cNvPr id="17" name="TextBox 16"/>
+          <p:cNvSpPr txBox="1"/>
+          <p:nvPr/>
+        </p:nvSpPr>
+        <p:spPr>
+          <a:xfrm>
+            <a:off x="5152280" y="3211576"/>
+            <a:ext cx="1144865" cy="307777"/>
+          </a:xfrm>
+          <a:prstGeom prst="rect">
+            <a:avLst/>
+          </a:prstGeom>
+          <a:noFill/>
+        </p:spPr>
+        <p:txBody>
+          <a:bodyPr wrap="none" rtlCol="0">
+            <a:spAutoFit/>
+          </a:bodyPr>
+          <a:lstStyle/>
+          <a:p>
+            <a:r>
+              <a:rPr lang="ko-KR" altLang="en-US" sz="1400" dirty="0" err="1" smtClean="0"/>
+              <a:t>셀렉트</a:t>
+            </a:r>
+            <a:r>
+              <a:rPr lang="ko-KR" altLang="en-US" sz="1400" dirty="0" smtClean="0"/>
+              <a:t> 추가</a:t>
+            </a:r>
+            <a:endParaRPr lang="ko-KR" altLang="en-US" sz="1400" dirty="0"/>
+          </a:p>
+        </p:txBody>
+      </p:sp>
+    </p:spTree>
+    <p:extLst>
+      <p:ext uri="{BB962C8B-B14F-4D97-AF65-F5344CB8AC3E}">
+        <p14:creationId xmlns:p14="http://schemas.microsoft.com/office/powerpoint/2010/main" val="3463547967"/>
+      </p:ext>
+    </p:extLst>
+  </p:cSld>
+  <p:clrMapOvr>
+    <a:masterClrMapping/>
+  </p:clrMapOvr>
+</p:sld>
+</file>
+
+<file path=ppt/slides/slide9.xml><?xml version="1.0" encoding="utf-8"?>
+<p:sld xmlns:a="http://schemas.openxmlformats.org/drawingml/2006/main" xmlns:r="http://schemas.openxmlformats.org/officeDocument/2006/relationships" xmlns:p="http://schemas.openxmlformats.org/presentationml/2006/main">
+  <p:cSld>
+    <p:spTree>
+      <p:nvGrpSpPr>
+        <p:cNvPr id="1" name=""/>
+        <p:cNvGrpSpPr/>
+        <p:nvPr/>
+      </p:nvGrpSpPr>
+      <p:grpSpPr>
+        <a:xfrm>
+          <a:off x="0" y="0"/>
+          <a:ext cx="0" cy="0"/>
+          <a:chOff x="0" y="0"/>
+          <a:chExt cx="0" cy="0"/>
+        </a:xfrm>
+      </p:grpSpPr>
+      <p:sp>
+        <p:nvSpPr>
+          <p:cNvPr id="5" name="TextBox 4"/>
+          <p:cNvSpPr txBox="1"/>
+          <p:nvPr/>
+        </p:nvSpPr>
+        <p:spPr>
+          <a:xfrm>
+            <a:off x="151141" y="151141"/>
+            <a:ext cx="3886000" cy="369332"/>
+          </a:xfrm>
+          <a:prstGeom prst="rect">
+            <a:avLst/>
+          </a:prstGeom>
+          <a:noFill/>
+        </p:spPr>
+        <p:txBody>
+          <a:bodyPr wrap="square" rtlCol="0">
+            <a:spAutoFit/>
+          </a:bodyPr>
+          <a:lstStyle/>
+          <a:p>
+            <a:r>
+              <a:rPr lang="en-US" altLang="ko-KR" dirty="0"/>
+              <a:t>UI-SJN-32-011L</a:t>
+            </a:r>
+            <a:endParaRPr lang="ko-KR" altLang="en-US" dirty="0"/>
+          </a:p>
+        </p:txBody>
+      </p:sp>
+      <p:pic>
+        <p:nvPicPr>
+          <p:cNvPr id="2" name="그림 1"/>
+          <p:cNvPicPr>
+            <a:picLocks noChangeAspect="1"/>
+          </p:cNvPicPr>
+          <p:nvPr/>
+        </p:nvPicPr>
+        <p:blipFill>
+          <a:blip r:embed="rId2"/>
+          <a:stretch>
+            <a:fillRect/>
+          </a:stretch>
+        </p:blipFill>
+        <p:spPr>
+          <a:xfrm>
+            <a:off x="794555" y="1676154"/>
+            <a:ext cx="2743583" cy="3505689"/>
+          </a:xfrm>
+          <a:prstGeom prst="rect">
+            <a:avLst/>
+          </a:prstGeom>
+        </p:spPr>
+      </p:pic>
+      <p:pic>
+        <p:nvPicPr>
+          <p:cNvPr id="3" name="그림 2"/>
+          <p:cNvPicPr>
+            <a:picLocks noChangeAspect="1"/>
+          </p:cNvPicPr>
+          <p:nvPr/>
+        </p:nvPicPr>
+        <p:blipFill>
+          <a:blip r:embed="rId3"/>
+          <a:stretch>
+            <a:fillRect/>
+          </a:stretch>
+        </p:blipFill>
+        <p:spPr>
+          <a:xfrm>
+            <a:off x="4294981" y="3428998"/>
+            <a:ext cx="4629796" cy="790685"/>
+          </a:xfrm>
+          <a:prstGeom prst="rect">
+            <a:avLst/>
+          </a:prstGeom>
+        </p:spPr>
+      </p:pic>
+      <p:sp>
+        <p:nvSpPr>
+          <p:cNvPr id="9" name="TextBox 8"/>
+          <p:cNvSpPr txBox="1"/>
+          <p:nvPr/>
+        </p:nvSpPr>
+        <p:spPr>
+          <a:xfrm>
+            <a:off x="4200095" y="2418088"/>
+            <a:ext cx="2903359" cy="307777"/>
+          </a:xfrm>
+          <a:prstGeom prst="rect">
+            <a:avLst/>
+          </a:prstGeom>
+          <a:noFill/>
+        </p:spPr>
+        <p:txBody>
+          <a:bodyPr wrap="none" rtlCol="0">
+            <a:spAutoFit/>
+          </a:bodyPr>
+          <a:lstStyle/>
+          <a:p>
+            <a:r>
+              <a:rPr lang="ko-KR" altLang="en-US" sz="1400" dirty="0" err="1" smtClean="0"/>
+              <a:t>부분고장</a:t>
+            </a:r>
+            <a:r>
+              <a:rPr lang="en-US" altLang="ko-KR" sz="1400" dirty="0" smtClean="0"/>
+              <a:t>, </a:t>
+            </a:r>
+            <a:r>
+              <a:rPr lang="ko-KR" altLang="en-US" sz="1400" dirty="0" err="1" smtClean="0"/>
+              <a:t>전체고장</a:t>
+            </a:r>
+            <a:r>
+              <a:rPr lang="ko-KR" altLang="en-US" sz="1400" dirty="0" smtClean="0"/>
+              <a:t> 추가했습니다</a:t>
+            </a:r>
+            <a:r>
+              <a:rPr lang="en-US" altLang="ko-KR" sz="1400" dirty="0" smtClean="0"/>
+              <a:t>.</a:t>
+            </a:r>
+            <a:endParaRPr lang="ko-KR" altLang="en-US" sz="1400" dirty="0"/>
+          </a:p>
+        </p:txBody>
+      </p:sp>
+    </p:spTree>
+    <p:extLst>
+      <p:ext uri="{BB962C8B-B14F-4D97-AF65-F5344CB8AC3E}">
+        <p14:creationId xmlns:p14="http://schemas.microsoft.com/office/powerpoint/2010/main" val="1548344795"/>
+      </p:ext>
+    </p:extLst>
+  </p:cSld>
+  <p:clrMapOvr>
+    <a:masterClrMapping/>
+  </p:clrMapOvr>
+</p:sld>
+</file>
+
 <file path=ppt/theme/theme1.xml><?xml version="1.0" encoding="utf-8"?>
 <a:theme xmlns:a="http://schemas.openxmlformats.org/drawingml/2006/main" name="Office 테마">
   <a:themeElements>
